--- a/static/Presentation1.pptx
+++ b/static/Presentation1.pptx
@@ -104,6 +104,11 @@
       </a:defRPr>
     </a:lvl9pPr>
   </p:defaultTextStyle>
+  <p:extLst>
+    <p:ext uri="{EFAFB233-063F-42B5-8137-9DF3F51BA10A}">
+      <p15:sldGuideLst xmlns:p15="http://schemas.microsoft.com/office/powerpoint/2012/main"/>
+    </p:ext>
+  </p:extLst>
 </p:presentation>
 </file>
 
@@ -238,7 +243,7 @@
           <a:p>
             <a:fld id="{D760751E-11D2-F847-A7E8-8201078A4915}" type="datetimeFigureOut">
               <a:rPr lang="en-US" smtClean="0"/>
-              <a:t>10/28/20</a:t>
+              <a:t>7/26/21</a:t>
             </a:fld>
             <a:endParaRPr lang="en-US"/>
           </a:p>
@@ -408,7 +413,7 @@
           <a:p>
             <a:fld id="{D760751E-11D2-F847-A7E8-8201078A4915}" type="datetimeFigureOut">
               <a:rPr lang="en-US" smtClean="0"/>
-              <a:t>10/28/20</a:t>
+              <a:t>7/26/21</a:t>
             </a:fld>
             <a:endParaRPr lang="en-US"/>
           </a:p>
@@ -588,7 +593,7 @@
           <a:p>
             <a:fld id="{D760751E-11D2-F847-A7E8-8201078A4915}" type="datetimeFigureOut">
               <a:rPr lang="en-US" smtClean="0"/>
-              <a:t>10/28/20</a:t>
+              <a:t>7/26/21</a:t>
             </a:fld>
             <a:endParaRPr lang="en-US"/>
           </a:p>
@@ -758,7 +763,7 @@
           <a:p>
             <a:fld id="{D760751E-11D2-F847-A7E8-8201078A4915}" type="datetimeFigureOut">
               <a:rPr lang="en-US" smtClean="0"/>
-              <a:t>10/28/20</a:t>
+              <a:t>7/26/21</a:t>
             </a:fld>
             <a:endParaRPr lang="en-US"/>
           </a:p>
@@ -1004,7 +1009,7 @@
           <a:p>
             <a:fld id="{D760751E-11D2-F847-A7E8-8201078A4915}" type="datetimeFigureOut">
               <a:rPr lang="en-US" smtClean="0"/>
-              <a:t>10/28/20</a:t>
+              <a:t>7/26/21</a:t>
             </a:fld>
             <a:endParaRPr lang="en-US"/>
           </a:p>
@@ -1236,7 +1241,7 @@
           <a:p>
             <a:fld id="{D760751E-11D2-F847-A7E8-8201078A4915}" type="datetimeFigureOut">
               <a:rPr lang="en-US" smtClean="0"/>
-              <a:t>10/28/20</a:t>
+              <a:t>7/26/21</a:t>
             </a:fld>
             <a:endParaRPr lang="en-US"/>
           </a:p>
@@ -1603,7 +1608,7 @@
           <a:p>
             <a:fld id="{D760751E-11D2-F847-A7E8-8201078A4915}" type="datetimeFigureOut">
               <a:rPr lang="en-US" smtClean="0"/>
-              <a:t>10/28/20</a:t>
+              <a:t>7/26/21</a:t>
             </a:fld>
             <a:endParaRPr lang="en-US"/>
           </a:p>
@@ -1721,7 +1726,7 @@
           <a:p>
             <a:fld id="{D760751E-11D2-F847-A7E8-8201078A4915}" type="datetimeFigureOut">
               <a:rPr lang="en-US" smtClean="0"/>
-              <a:t>10/28/20</a:t>
+              <a:t>7/26/21</a:t>
             </a:fld>
             <a:endParaRPr lang="en-US"/>
           </a:p>
@@ -1816,7 +1821,7 @@
           <a:p>
             <a:fld id="{D760751E-11D2-F847-A7E8-8201078A4915}" type="datetimeFigureOut">
               <a:rPr lang="en-US" smtClean="0"/>
-              <a:t>10/28/20</a:t>
+              <a:t>7/26/21</a:t>
             </a:fld>
             <a:endParaRPr lang="en-US"/>
           </a:p>
@@ -2093,7 +2098,7 @@
           <a:p>
             <a:fld id="{D760751E-11D2-F847-A7E8-8201078A4915}" type="datetimeFigureOut">
               <a:rPr lang="en-US" smtClean="0"/>
-              <a:t>10/28/20</a:t>
+              <a:t>7/26/21</a:t>
             </a:fld>
             <a:endParaRPr lang="en-US"/>
           </a:p>
@@ -2350,7 +2355,7 @@
           <a:p>
             <a:fld id="{D760751E-11D2-F847-A7E8-8201078A4915}" type="datetimeFigureOut">
               <a:rPr lang="en-US" smtClean="0"/>
-              <a:t>10/28/20</a:t>
+              <a:t>7/26/21</a:t>
             </a:fld>
             <a:endParaRPr lang="en-US"/>
           </a:p>
@@ -2563,7 +2568,7 @@
           <a:p>
             <a:fld id="{D760751E-11D2-F847-A7E8-8201078A4915}" type="datetimeFigureOut">
               <a:rPr lang="en-US" smtClean="0"/>
-              <a:t>10/28/20</a:t>
+              <a:t>7/26/21</a:t>
             </a:fld>
             <a:endParaRPr lang="en-US"/>
           </a:p>
@@ -3267,7 +3272,7 @@
             <a:pPr algn="ctr"/>
             <a:r>
               <a:rPr lang="en-US" dirty="0"/>
-              <a:t>Game Client</a:t>
+              <a:t>Download Server</a:t>
             </a:r>
           </a:p>
         </p:txBody>
@@ -3850,8 +3855,8 @@
         </p:nvSpPr>
         <p:spPr>
           <a:xfrm>
-            <a:off x="4992278" y="250388"/>
-            <a:ext cx="463588" cy="276999"/>
+            <a:off x="4862565" y="263733"/>
+            <a:ext cx="742511" cy="276999"/>
           </a:xfrm>
           <a:prstGeom prst="rect">
             <a:avLst/>
@@ -3868,7 +3873,7 @@
               <a:rPr lang="en-US" sz="1200" dirty="0">
                 <a:latin typeface="Andale Mono" panose="020B0509000000000004" pitchFamily="49" charset="0"/>
               </a:rPr>
-              <a:t>25M</a:t>
+              <a:t>25Mbps</a:t>
             </a:r>
             <a:endParaRPr lang="en-US" dirty="0">
               <a:latin typeface="Andale Mono" panose="020B0509000000000004" pitchFamily="49" charset="0"/>
@@ -3892,7 +3897,7 @@
         </p:nvCxnSpPr>
         <p:spPr>
           <a:xfrm flipV="1">
-            <a:off x="7710127" y="505360"/>
+            <a:off x="6280074" y="527387"/>
             <a:ext cx="0" cy="1555925"/>
           </a:xfrm>
           <a:prstGeom prst="line">
@@ -3933,8 +3938,8 @@
         </p:nvSpPr>
         <p:spPr>
           <a:xfrm>
-            <a:off x="7461993" y="224900"/>
-            <a:ext cx="556563" cy="276999"/>
+            <a:off x="5758183" y="269677"/>
+            <a:ext cx="1300356" cy="276999"/>
           </a:xfrm>
           <a:prstGeom prst="rect">
             <a:avLst/>
@@ -3951,7 +3956,7 @@
               <a:rPr lang="en-US" sz="1200" dirty="0">
                 <a:latin typeface="Andale Mono" panose="020B0509000000000004" pitchFamily="49" charset="0"/>
               </a:rPr>
-              <a:t>10ms</a:t>
+              <a:t>BaseLat:10ms</a:t>
             </a:r>
             <a:endParaRPr lang="en-US" dirty="0">
               <a:latin typeface="Andale Mono" panose="020B0509000000000004" pitchFamily="49" charset="0"/>
